--- a/dokumentacia/Trochu teórie.pptx
+++ b/dokumentacia/Trochu teórie.pptx
@@ -5,7 +5,7 @@
     <p:sldMasterId id="2147483648" r:id="rId1"/>
   </p:sldMasterIdLst>
   <p:notesMasterIdLst>
-    <p:notesMasterId r:id="rId37"/>
+    <p:notesMasterId r:id="rId39"/>
   </p:notesMasterIdLst>
   <p:sldIdLst>
     <p:sldId id="256" r:id="rId2"/>
@@ -31,18 +31,20 @@
     <p:sldId id="287" r:id="rId22"/>
     <p:sldId id="275" r:id="rId23"/>
     <p:sldId id="282" r:id="rId24"/>
-    <p:sldId id="271" r:id="rId25"/>
-    <p:sldId id="274" r:id="rId26"/>
-    <p:sldId id="289" r:id="rId27"/>
-    <p:sldId id="290" r:id="rId28"/>
-    <p:sldId id="288" r:id="rId29"/>
-    <p:sldId id="259" r:id="rId30"/>
-    <p:sldId id="260" r:id="rId31"/>
-    <p:sldId id="261" r:id="rId32"/>
-    <p:sldId id="262" r:id="rId33"/>
-    <p:sldId id="263" r:id="rId34"/>
-    <p:sldId id="265" r:id="rId35"/>
-    <p:sldId id="264" r:id="rId36"/>
+    <p:sldId id="291" r:id="rId25"/>
+    <p:sldId id="292" r:id="rId26"/>
+    <p:sldId id="271" r:id="rId27"/>
+    <p:sldId id="274" r:id="rId28"/>
+    <p:sldId id="289" r:id="rId29"/>
+    <p:sldId id="290" r:id="rId30"/>
+    <p:sldId id="288" r:id="rId31"/>
+    <p:sldId id="259" r:id="rId32"/>
+    <p:sldId id="260" r:id="rId33"/>
+    <p:sldId id="261" r:id="rId34"/>
+    <p:sldId id="262" r:id="rId35"/>
+    <p:sldId id="263" r:id="rId36"/>
+    <p:sldId id="265" r:id="rId37"/>
+    <p:sldId id="264" r:id="rId38"/>
   </p:sldIdLst>
   <p:sldSz cx="12192000" cy="6858000"/>
   <p:notesSz cx="6858000" cy="9144000"/>
@@ -3501,7 +3503,7 @@
           <a:p>
             <a:fld id="{767E3B4F-1F98-4E88-95BF-8D9DB02F47CB}" type="datetimeFigureOut">
               <a:rPr lang="sk-SK" smtClean="0"/>
-              <a:t>7. 3. 2023</a:t>
+              <a:t>16. 4. 2023</a:t>
             </a:fld>
             <a:endParaRPr lang="sk-SK"/>
           </a:p>
@@ -4240,7 +4242,7 @@
           <a:p>
             <a:fld id="{F59E3965-5EF7-41F1-B2FA-2139B817314B}" type="slidenum">
               <a:rPr lang="sk-SK" smtClean="0"/>
-              <a:t>29</a:t>
+              <a:t>31</a:t>
             </a:fld>
             <a:endParaRPr lang="sk-SK"/>
           </a:p>
@@ -4397,7 +4399,7 @@
           <a:p>
             <a:fld id="{F59E3965-5EF7-41F1-B2FA-2139B817314B}" type="slidenum">
               <a:rPr lang="sk-SK" smtClean="0"/>
-              <a:t>30</a:t>
+              <a:t>32</a:t>
             </a:fld>
             <a:endParaRPr lang="sk-SK"/>
           </a:p>
@@ -4526,7 +4528,7 @@
           <a:p>
             <a:fld id="{F59E3965-5EF7-41F1-B2FA-2139B817314B}" type="slidenum">
               <a:rPr lang="sk-SK" smtClean="0"/>
-              <a:t>32</a:t>
+              <a:t>34</a:t>
             </a:fld>
             <a:endParaRPr lang="sk-SK"/>
           </a:p>
@@ -4651,7 +4653,7 @@
           <a:p>
             <a:fld id="{F59E3965-5EF7-41F1-B2FA-2139B817314B}" type="slidenum">
               <a:rPr lang="sk-SK" smtClean="0"/>
-              <a:t>33</a:t>
+              <a:t>35</a:t>
             </a:fld>
             <a:endParaRPr lang="sk-SK"/>
           </a:p>
@@ -4756,7 +4758,7 @@
           <a:p>
             <a:fld id="{F59E3965-5EF7-41F1-B2FA-2139B817314B}" type="slidenum">
               <a:rPr lang="sk-SK" smtClean="0"/>
-              <a:t>34</a:t>
+              <a:t>36</a:t>
             </a:fld>
             <a:endParaRPr lang="sk-SK"/>
           </a:p>
@@ -4893,7 +4895,7 @@
           <a:p>
             <a:fld id="{F59E3965-5EF7-41F1-B2FA-2139B817314B}" type="slidenum">
               <a:rPr lang="sk-SK" smtClean="0"/>
-              <a:t>35</a:t>
+              <a:t>37</a:t>
             </a:fld>
             <a:endParaRPr lang="sk-SK"/>
           </a:p>
@@ -5061,7 +5063,7 @@
           <a:p>
             <a:fld id="{7E558BD1-AAA0-429F-B916-0A0E7989C748}" type="datetimeFigureOut">
               <a:rPr lang="sk-SK" smtClean="0"/>
-              <a:t>7. 3. 2023</a:t>
+              <a:t>16. 4. 2023</a:t>
             </a:fld>
             <a:endParaRPr lang="sk-SK"/>
           </a:p>
@@ -5261,7 +5263,7 @@
           <a:p>
             <a:fld id="{7E558BD1-AAA0-429F-B916-0A0E7989C748}" type="datetimeFigureOut">
               <a:rPr lang="sk-SK" smtClean="0"/>
-              <a:t>7. 3. 2023</a:t>
+              <a:t>16. 4. 2023</a:t>
             </a:fld>
             <a:endParaRPr lang="sk-SK"/>
           </a:p>
@@ -5471,7 +5473,7 @@
           <a:p>
             <a:fld id="{7E558BD1-AAA0-429F-B916-0A0E7989C748}" type="datetimeFigureOut">
               <a:rPr lang="sk-SK" smtClean="0"/>
-              <a:t>7. 3. 2023</a:t>
+              <a:t>16. 4. 2023</a:t>
             </a:fld>
             <a:endParaRPr lang="sk-SK"/>
           </a:p>
@@ -5671,7 +5673,7 @@
           <a:p>
             <a:fld id="{7E558BD1-AAA0-429F-B916-0A0E7989C748}" type="datetimeFigureOut">
               <a:rPr lang="sk-SK" smtClean="0"/>
-              <a:t>7. 3. 2023</a:t>
+              <a:t>16. 4. 2023</a:t>
             </a:fld>
             <a:endParaRPr lang="sk-SK"/>
           </a:p>
@@ -5947,7 +5949,7 @@
           <a:p>
             <a:fld id="{7E558BD1-AAA0-429F-B916-0A0E7989C748}" type="datetimeFigureOut">
               <a:rPr lang="sk-SK" smtClean="0"/>
-              <a:t>7. 3. 2023</a:t>
+              <a:t>16. 4. 2023</a:t>
             </a:fld>
             <a:endParaRPr lang="sk-SK"/>
           </a:p>
@@ -6215,7 +6217,7 @@
           <a:p>
             <a:fld id="{7E558BD1-AAA0-429F-B916-0A0E7989C748}" type="datetimeFigureOut">
               <a:rPr lang="sk-SK" smtClean="0"/>
-              <a:t>7. 3. 2023</a:t>
+              <a:t>16. 4. 2023</a:t>
             </a:fld>
             <a:endParaRPr lang="sk-SK"/>
           </a:p>
@@ -6630,7 +6632,7 @@
           <a:p>
             <a:fld id="{7E558BD1-AAA0-429F-B916-0A0E7989C748}" type="datetimeFigureOut">
               <a:rPr lang="sk-SK" smtClean="0"/>
-              <a:t>7. 3. 2023</a:t>
+              <a:t>16. 4. 2023</a:t>
             </a:fld>
             <a:endParaRPr lang="sk-SK"/>
           </a:p>
@@ -6772,7 +6774,7 @@
           <a:p>
             <a:fld id="{7E558BD1-AAA0-429F-B916-0A0E7989C748}" type="datetimeFigureOut">
               <a:rPr lang="sk-SK" smtClean="0"/>
-              <a:t>7. 3. 2023</a:t>
+              <a:t>16. 4. 2023</a:t>
             </a:fld>
             <a:endParaRPr lang="sk-SK"/>
           </a:p>
@@ -6885,7 +6887,7 @@
           <a:p>
             <a:fld id="{7E558BD1-AAA0-429F-B916-0A0E7989C748}" type="datetimeFigureOut">
               <a:rPr lang="sk-SK" smtClean="0"/>
-              <a:t>7. 3. 2023</a:t>
+              <a:t>16. 4. 2023</a:t>
             </a:fld>
             <a:endParaRPr lang="sk-SK"/>
           </a:p>
@@ -7198,7 +7200,7 @@
           <a:p>
             <a:fld id="{7E558BD1-AAA0-429F-B916-0A0E7989C748}" type="datetimeFigureOut">
               <a:rPr lang="sk-SK" smtClean="0"/>
-              <a:t>7. 3. 2023</a:t>
+              <a:t>16. 4. 2023</a:t>
             </a:fld>
             <a:endParaRPr lang="sk-SK"/>
           </a:p>
@@ -7487,7 +7489,7 @@
           <a:p>
             <a:fld id="{7E558BD1-AAA0-429F-B916-0A0E7989C748}" type="datetimeFigureOut">
               <a:rPr lang="sk-SK" smtClean="0"/>
-              <a:t>7. 3. 2023</a:t>
+              <a:t>16. 4. 2023</a:t>
             </a:fld>
             <a:endParaRPr lang="sk-SK"/>
           </a:p>
@@ -7730,7 +7732,7 @@
           <a:p>
             <a:fld id="{7E558BD1-AAA0-429F-B916-0A0E7989C748}" type="datetimeFigureOut">
               <a:rPr lang="sk-SK" smtClean="0"/>
-              <a:t>7. 3. 2023</a:t>
+              <a:t>16. 4. 2023</a:t>
             </a:fld>
             <a:endParaRPr lang="sk-SK"/>
           </a:p>
@@ -11857,6 +11859,408 @@
           <p:cNvPr id="3" name="Picture 2">
             <a:extLst>
               <a:ext uri="{FF2B5EF4-FFF2-40B4-BE49-F238E27FC236}">
+                <a16:creationId xmlns:a16="http://schemas.microsoft.com/office/drawing/2014/main" id="{5CAE5ACB-6BCD-7EF6-6E33-C713D6C6086E}"/>
+              </a:ext>
+            </a:extLst>
+          </p:cNvPr>
+          <p:cNvPicPr>
+            <a:picLocks noChangeAspect="1"/>
+          </p:cNvPicPr>
+          <p:nvPr/>
+        </p:nvPicPr>
+        <p:blipFill>
+          <a:blip r:embed="rId2"/>
+          <a:stretch>
+            <a:fillRect/>
+          </a:stretch>
+        </p:blipFill>
+        <p:spPr>
+          <a:xfrm>
+            <a:off x="0" y="0"/>
+            <a:ext cx="4029637" cy="4629796"/>
+          </a:xfrm>
+          <a:prstGeom prst="rect">
+            <a:avLst/>
+          </a:prstGeom>
+        </p:spPr>
+      </p:pic>
+      <p:pic>
+        <p:nvPicPr>
+          <p:cNvPr id="5" name="Picture 4">
+            <a:extLst>
+              <a:ext uri="{FF2B5EF4-FFF2-40B4-BE49-F238E27FC236}">
+                <a16:creationId xmlns:a16="http://schemas.microsoft.com/office/drawing/2014/main" id="{B1361F6D-B4B1-F083-6295-8EE7F064A13C}"/>
+              </a:ext>
+            </a:extLst>
+          </p:cNvPr>
+          <p:cNvPicPr>
+            <a:picLocks noChangeAspect="1"/>
+          </p:cNvPicPr>
+          <p:nvPr/>
+        </p:nvPicPr>
+        <p:blipFill>
+          <a:blip r:embed="rId3"/>
+          <a:stretch>
+            <a:fillRect/>
+          </a:stretch>
+        </p:blipFill>
+        <p:spPr>
+          <a:xfrm>
+            <a:off x="4207102" y="557061"/>
+            <a:ext cx="2915057" cy="4201111"/>
+          </a:xfrm>
+          <a:prstGeom prst="rect">
+            <a:avLst/>
+          </a:prstGeom>
+        </p:spPr>
+      </p:pic>
+      <p:cxnSp>
+        <p:nvCxnSpPr>
+          <p:cNvPr id="7" name="Straight Arrow Connector 6">
+            <a:extLst>
+              <a:ext uri="{FF2B5EF4-FFF2-40B4-BE49-F238E27FC236}">
+                <a16:creationId xmlns:a16="http://schemas.microsoft.com/office/drawing/2014/main" id="{05B67F9F-9B14-620E-23B4-9713695E1880}"/>
+              </a:ext>
+            </a:extLst>
+          </p:cNvPr>
+          <p:cNvCxnSpPr>
+            <a:cxnSpLocks/>
+          </p:cNvCxnSpPr>
+          <p:nvPr/>
+        </p:nvCxnSpPr>
+        <p:spPr>
+          <a:xfrm flipV="1">
+            <a:off x="3933700" y="1906292"/>
+            <a:ext cx="664469" cy="2459700"/>
+          </a:xfrm>
+          <a:prstGeom prst="straightConnector1">
+            <a:avLst/>
+          </a:prstGeom>
+          <a:ln w="76200">
+            <a:tailEnd type="triangle"/>
+          </a:ln>
+        </p:spPr>
+        <p:style>
+          <a:lnRef idx="1">
+            <a:schemeClr val="accent1"/>
+          </a:lnRef>
+          <a:fillRef idx="0">
+            <a:schemeClr val="accent1"/>
+          </a:fillRef>
+          <a:effectRef idx="0">
+            <a:schemeClr val="accent1"/>
+          </a:effectRef>
+          <a:fontRef idx="minor">
+            <a:schemeClr val="tx1"/>
+          </a:fontRef>
+        </p:style>
+      </p:cxnSp>
+      <p:pic>
+        <p:nvPicPr>
+          <p:cNvPr id="9" name="Picture 8">
+            <a:extLst>
+              <a:ext uri="{FF2B5EF4-FFF2-40B4-BE49-F238E27FC236}">
+                <a16:creationId xmlns:a16="http://schemas.microsoft.com/office/drawing/2014/main" id="{EAAF75B4-FC6E-5E93-76A4-9BC37C96B27A}"/>
+              </a:ext>
+            </a:extLst>
+          </p:cNvPr>
+          <p:cNvPicPr>
+            <a:picLocks noChangeAspect="1"/>
+          </p:cNvPicPr>
+          <p:nvPr/>
+        </p:nvPicPr>
+        <p:blipFill>
+          <a:blip r:embed="rId4"/>
+          <a:stretch>
+            <a:fillRect/>
+          </a:stretch>
+        </p:blipFill>
+        <p:spPr>
+          <a:xfrm>
+            <a:off x="6161454" y="56585"/>
+            <a:ext cx="5944430" cy="295316"/>
+          </a:xfrm>
+          <a:prstGeom prst="rect">
+            <a:avLst/>
+          </a:prstGeom>
+        </p:spPr>
+      </p:pic>
+      <p:pic>
+        <p:nvPicPr>
+          <p:cNvPr id="13" name="Picture 12">
+            <a:extLst>
+              <a:ext uri="{FF2B5EF4-FFF2-40B4-BE49-F238E27FC236}">
+                <a16:creationId xmlns:a16="http://schemas.microsoft.com/office/drawing/2014/main" id="{1A3AC1C5-6200-30A8-9785-00AE6C3EA9B2}"/>
+              </a:ext>
+            </a:extLst>
+          </p:cNvPr>
+          <p:cNvPicPr>
+            <a:picLocks noChangeAspect="1"/>
+          </p:cNvPicPr>
+          <p:nvPr/>
+        </p:nvPicPr>
+        <p:blipFill>
+          <a:blip r:embed="rId5"/>
+          <a:stretch>
+            <a:fillRect/>
+          </a:stretch>
+        </p:blipFill>
+        <p:spPr>
+          <a:xfrm>
+            <a:off x="7198487" y="946471"/>
+            <a:ext cx="5668166" cy="5134692"/>
+          </a:xfrm>
+          <a:prstGeom prst="rect">
+            <a:avLst/>
+          </a:prstGeom>
+        </p:spPr>
+      </p:pic>
+      <p:cxnSp>
+        <p:nvCxnSpPr>
+          <p:cNvPr id="11" name="Straight Arrow Connector 10">
+            <a:extLst>
+              <a:ext uri="{FF2B5EF4-FFF2-40B4-BE49-F238E27FC236}">
+                <a16:creationId xmlns:a16="http://schemas.microsoft.com/office/drawing/2014/main" id="{A722528F-CCD0-E2A8-D484-2FBA0D6BEDA8}"/>
+              </a:ext>
+            </a:extLst>
+          </p:cNvPr>
+          <p:cNvCxnSpPr>
+            <a:cxnSpLocks/>
+          </p:cNvCxnSpPr>
+          <p:nvPr/>
+        </p:nvCxnSpPr>
+        <p:spPr>
+          <a:xfrm flipV="1">
+            <a:off x="6072752" y="351901"/>
+            <a:ext cx="3830665" cy="4088363"/>
+          </a:xfrm>
+          <a:prstGeom prst="straightConnector1">
+            <a:avLst/>
+          </a:prstGeom>
+          <a:ln w="76200">
+            <a:tailEnd type="triangle"/>
+          </a:ln>
+        </p:spPr>
+        <p:style>
+          <a:lnRef idx="1">
+            <a:schemeClr val="accent1"/>
+          </a:lnRef>
+          <a:fillRef idx="0">
+            <a:schemeClr val="accent1"/>
+          </a:fillRef>
+          <a:effectRef idx="0">
+            <a:schemeClr val="accent1"/>
+          </a:effectRef>
+          <a:fontRef idx="minor">
+            <a:schemeClr val="tx1"/>
+          </a:fontRef>
+        </p:style>
+      </p:cxnSp>
+      <p:cxnSp>
+        <p:nvCxnSpPr>
+          <p:cNvPr id="18" name="Straight Arrow Connector 17">
+            <a:extLst>
+              <a:ext uri="{FF2B5EF4-FFF2-40B4-BE49-F238E27FC236}">
+                <a16:creationId xmlns:a16="http://schemas.microsoft.com/office/drawing/2014/main" id="{F1A9BA02-21D0-2239-3703-E865DEF33E4A}"/>
+              </a:ext>
+            </a:extLst>
+          </p:cNvPr>
+          <p:cNvCxnSpPr/>
+          <p:nvPr/>
+        </p:nvCxnSpPr>
+        <p:spPr>
+          <a:xfrm flipH="1">
+            <a:off x="9973159" y="351901"/>
+            <a:ext cx="59411" cy="1856607"/>
+          </a:xfrm>
+          <a:prstGeom prst="straightConnector1">
+            <a:avLst/>
+          </a:prstGeom>
+          <a:ln w="76200">
+            <a:tailEnd type="triangle"/>
+          </a:ln>
+        </p:spPr>
+        <p:style>
+          <a:lnRef idx="1">
+            <a:schemeClr val="accent1"/>
+          </a:lnRef>
+          <a:fillRef idx="0">
+            <a:schemeClr val="accent1"/>
+          </a:fillRef>
+          <a:effectRef idx="0">
+            <a:schemeClr val="accent1"/>
+          </a:effectRef>
+          <a:fontRef idx="minor">
+            <a:schemeClr val="tx1"/>
+          </a:fontRef>
+        </p:style>
+      </p:cxnSp>
+    </p:spTree>
+    <p:extLst>
+      <p:ext uri="{BB962C8B-B14F-4D97-AF65-F5344CB8AC3E}">
+        <p14:creationId xmlns:p14="http://schemas.microsoft.com/office/powerpoint/2010/main" val="1039413370"/>
+      </p:ext>
+    </p:extLst>
+  </p:cSld>
+  <p:clrMapOvr>
+    <a:masterClrMapping/>
+  </p:clrMapOvr>
+</p:sld>
+</file>
+
+<file path=ppt/slides/slide25.xml><?xml version="1.0" encoding="utf-8"?>
+<p:sld xmlns:a="http://schemas.openxmlformats.org/drawingml/2006/main" xmlns:r="http://schemas.openxmlformats.org/officeDocument/2006/relationships" xmlns:p="http://schemas.openxmlformats.org/presentationml/2006/main">
+  <p:cSld>
+    <p:spTree>
+      <p:nvGrpSpPr>
+        <p:cNvPr id="1" name=""/>
+        <p:cNvGrpSpPr/>
+        <p:nvPr/>
+      </p:nvGrpSpPr>
+      <p:grpSpPr>
+        <a:xfrm>
+          <a:off x="0" y="0"/>
+          <a:ext cx="0" cy="0"/>
+          <a:chOff x="0" y="0"/>
+          <a:chExt cx="0" cy="0"/>
+        </a:xfrm>
+      </p:grpSpPr>
+      <p:pic>
+        <p:nvPicPr>
+          <p:cNvPr id="13" name="Picture 12">
+            <a:extLst>
+              <a:ext uri="{FF2B5EF4-FFF2-40B4-BE49-F238E27FC236}">
+                <a16:creationId xmlns:a16="http://schemas.microsoft.com/office/drawing/2014/main" id="{515A8345-D431-E2E6-0A5F-1983C0DD710D}"/>
+              </a:ext>
+            </a:extLst>
+          </p:cNvPr>
+          <p:cNvPicPr>
+            <a:picLocks noChangeAspect="1"/>
+          </p:cNvPicPr>
+          <p:nvPr/>
+        </p:nvPicPr>
+        <p:blipFill>
+          <a:blip r:embed="rId2"/>
+          <a:stretch>
+            <a:fillRect/>
+          </a:stretch>
+        </p:blipFill>
+        <p:spPr>
+          <a:xfrm>
+            <a:off x="6161949" y="0"/>
+            <a:ext cx="5772956" cy="5220429"/>
+          </a:xfrm>
+          <a:prstGeom prst="rect">
+            <a:avLst/>
+          </a:prstGeom>
+        </p:spPr>
+      </p:pic>
+      <p:pic>
+        <p:nvPicPr>
+          <p:cNvPr id="3" name="Picture 2">
+            <a:extLst>
+              <a:ext uri="{FF2B5EF4-FFF2-40B4-BE49-F238E27FC236}">
+                <a16:creationId xmlns:a16="http://schemas.microsoft.com/office/drawing/2014/main" id="{B9E5B8C8-2093-1A4A-5604-D13311DBEAEA}"/>
+              </a:ext>
+            </a:extLst>
+          </p:cNvPr>
+          <p:cNvPicPr>
+            <a:picLocks noChangeAspect="1"/>
+          </p:cNvPicPr>
+          <p:nvPr/>
+        </p:nvPicPr>
+        <p:blipFill>
+          <a:blip r:embed="rId3"/>
+          <a:stretch>
+            <a:fillRect/>
+          </a:stretch>
+        </p:blipFill>
+        <p:spPr>
+          <a:xfrm>
+            <a:off x="0" y="0"/>
+            <a:ext cx="5696745" cy="5134692"/>
+          </a:xfrm>
+          <a:prstGeom prst="rect">
+            <a:avLst/>
+          </a:prstGeom>
+        </p:spPr>
+      </p:pic>
+      <p:cxnSp>
+        <p:nvCxnSpPr>
+          <p:cNvPr id="7" name="Straight Arrow Connector 6">
+            <a:extLst>
+              <a:ext uri="{FF2B5EF4-FFF2-40B4-BE49-F238E27FC236}">
+                <a16:creationId xmlns:a16="http://schemas.microsoft.com/office/drawing/2014/main" id="{42944986-2800-4A5E-5CF5-39890B3E1873}"/>
+              </a:ext>
+            </a:extLst>
+          </p:cNvPr>
+          <p:cNvCxnSpPr>
+            <a:cxnSpLocks/>
+          </p:cNvCxnSpPr>
+          <p:nvPr/>
+        </p:nvCxnSpPr>
+        <p:spPr>
+          <a:xfrm flipV="1">
+            <a:off x="3409627" y="1526583"/>
+            <a:ext cx="2882685" cy="3231397"/>
+          </a:xfrm>
+          <a:prstGeom prst="straightConnector1">
+            <a:avLst/>
+          </a:prstGeom>
+          <a:ln w="76200">
+            <a:tailEnd type="triangle"/>
+          </a:ln>
+        </p:spPr>
+        <p:style>
+          <a:lnRef idx="1">
+            <a:schemeClr val="accent1"/>
+          </a:lnRef>
+          <a:fillRef idx="0">
+            <a:schemeClr val="accent1"/>
+          </a:fillRef>
+          <a:effectRef idx="0">
+            <a:schemeClr val="accent1"/>
+          </a:effectRef>
+          <a:fontRef idx="minor">
+            <a:schemeClr val="tx1"/>
+          </a:fontRef>
+        </p:style>
+      </p:cxnSp>
+    </p:spTree>
+    <p:extLst>
+      <p:ext uri="{BB962C8B-B14F-4D97-AF65-F5344CB8AC3E}">
+        <p14:creationId xmlns:p14="http://schemas.microsoft.com/office/powerpoint/2010/main" val="1991503653"/>
+      </p:ext>
+    </p:extLst>
+  </p:cSld>
+  <p:clrMapOvr>
+    <a:masterClrMapping/>
+  </p:clrMapOvr>
+</p:sld>
+</file>
+
+<file path=ppt/slides/slide26.xml><?xml version="1.0" encoding="utf-8"?>
+<p:sld xmlns:a="http://schemas.openxmlformats.org/drawingml/2006/main" xmlns:r="http://schemas.openxmlformats.org/officeDocument/2006/relationships" xmlns:p="http://schemas.openxmlformats.org/presentationml/2006/main">
+  <p:cSld>
+    <p:spTree>
+      <p:nvGrpSpPr>
+        <p:cNvPr id="1" name=""/>
+        <p:cNvGrpSpPr/>
+        <p:nvPr/>
+      </p:nvGrpSpPr>
+      <p:grpSpPr>
+        <a:xfrm>
+          <a:off x="0" y="0"/>
+          <a:ext cx="0" cy="0"/>
+          <a:chOff x="0" y="0"/>
+          <a:chExt cx="0" cy="0"/>
+        </a:xfrm>
+      </p:grpSpPr>
+      <p:pic>
+        <p:nvPicPr>
+          <p:cNvPr id="3" name="Picture 2">
+            <a:extLst>
+              <a:ext uri="{FF2B5EF4-FFF2-40B4-BE49-F238E27FC236}">
                 <a16:creationId xmlns:a16="http://schemas.microsoft.com/office/drawing/2014/main" id="{ADBC5F5B-1364-BE6E-2F28-7DBDB5CC2135}"/>
               </a:ext>
             </a:extLst>
@@ -11895,7 +12299,7 @@
 </p:sld>
 </file>
 
-<file path=ppt/slides/slide25.xml><?xml version="1.0" encoding="utf-8"?>
+<file path=ppt/slides/slide27.xml><?xml version="1.0" encoding="utf-8"?>
 <p:sld xmlns:a="http://schemas.openxmlformats.org/drawingml/2006/main" xmlns:r="http://schemas.openxmlformats.org/officeDocument/2006/relationships" xmlns:p="http://schemas.openxmlformats.org/presentationml/2006/main">
   <p:cSld>
     <p:spTree>
@@ -11955,7 +12359,7 @@
 </p:sld>
 </file>
 
-<file path=ppt/slides/slide26.xml><?xml version="1.0" encoding="utf-8"?>
+<file path=ppt/slides/slide28.xml><?xml version="1.0" encoding="utf-8"?>
 <p:sld xmlns:a="http://schemas.openxmlformats.org/drawingml/2006/main" xmlns:r="http://schemas.openxmlformats.org/officeDocument/2006/relationships" xmlns:p="http://schemas.openxmlformats.org/presentationml/2006/main">
   <p:cSld>
     <p:spTree>
@@ -12243,7 +12647,7 @@
 </p:sld>
 </file>
 
-<file path=ppt/slides/slide27.xml><?xml version="1.0" encoding="utf-8"?>
+<file path=ppt/slides/slide29.xml><?xml version="1.0" encoding="utf-8"?>
 <p:sld xmlns:a="http://schemas.openxmlformats.org/drawingml/2006/main" xmlns:r="http://schemas.openxmlformats.org/officeDocument/2006/relationships" xmlns:p="http://schemas.openxmlformats.org/presentationml/2006/main">
   <p:cSld>
     <p:spTree>
@@ -12389,554 +12793,6 @@
     <p:extLst>
       <p:ext uri="{BB962C8B-B14F-4D97-AF65-F5344CB8AC3E}">
         <p14:creationId xmlns:p14="http://schemas.microsoft.com/office/powerpoint/2010/main" val="338123248"/>
-      </p:ext>
-    </p:extLst>
-  </p:cSld>
-  <p:clrMapOvr>
-    <a:masterClrMapping/>
-  </p:clrMapOvr>
-</p:sld>
-</file>
-
-<file path=ppt/slides/slide28.xml><?xml version="1.0" encoding="utf-8"?>
-<p:sld xmlns:a="http://schemas.openxmlformats.org/drawingml/2006/main" xmlns:r="http://schemas.openxmlformats.org/officeDocument/2006/relationships" xmlns:p="http://schemas.openxmlformats.org/presentationml/2006/main">
-  <p:cSld>
-    <p:spTree>
-      <p:nvGrpSpPr>
-        <p:cNvPr id="1" name=""/>
-        <p:cNvGrpSpPr/>
-        <p:nvPr/>
-      </p:nvGrpSpPr>
-      <p:grpSpPr>
-        <a:xfrm>
-          <a:off x="0" y="0"/>
-          <a:ext cx="0" cy="0"/>
-          <a:chOff x="0" y="0"/>
-          <a:chExt cx="0" cy="0"/>
-        </a:xfrm>
-      </p:grpSpPr>
-      <p:pic>
-        <p:nvPicPr>
-          <p:cNvPr id="3" name="Picture 2">
-            <a:extLst>
-              <a:ext uri="{FF2B5EF4-FFF2-40B4-BE49-F238E27FC236}">
-                <a16:creationId xmlns:a16="http://schemas.microsoft.com/office/drawing/2014/main" id="{809FC2CE-C595-19A2-B62A-D4742D5B326D}"/>
-              </a:ext>
-            </a:extLst>
-          </p:cNvPr>
-          <p:cNvPicPr>
-            <a:picLocks noChangeAspect="1"/>
-          </p:cNvPicPr>
-          <p:nvPr/>
-        </p:nvPicPr>
-        <p:blipFill>
-          <a:blip r:embed="rId2"/>
-          <a:stretch>
-            <a:fillRect/>
-          </a:stretch>
-        </p:blipFill>
-        <p:spPr>
-          <a:xfrm>
-            <a:off x="702315" y="1883348"/>
-            <a:ext cx="9666354" cy="1896171"/>
-          </a:xfrm>
-          <a:prstGeom prst="rect">
-            <a:avLst/>
-          </a:prstGeom>
-        </p:spPr>
-      </p:pic>
-      <p:sp>
-        <p:nvSpPr>
-          <p:cNvPr id="4" name="TextBox 3">
-            <a:extLst>
-              <a:ext uri="{FF2B5EF4-FFF2-40B4-BE49-F238E27FC236}">
-                <a16:creationId xmlns:a16="http://schemas.microsoft.com/office/drawing/2014/main" id="{B9EE8400-BA3C-0547-4B90-26B237EAAC2A}"/>
-              </a:ext>
-            </a:extLst>
-          </p:cNvPr>
-          <p:cNvSpPr txBox="1"/>
-          <p:nvPr/>
-        </p:nvSpPr>
-        <p:spPr>
-          <a:xfrm>
-            <a:off x="673906" y="580768"/>
-            <a:ext cx="4019498" cy="646331"/>
-          </a:xfrm>
-          <a:prstGeom prst="rect">
-            <a:avLst/>
-          </a:prstGeom>
-        </p:spPr>
-        <p:style>
-          <a:lnRef idx="2">
-            <a:schemeClr val="accent1"/>
-          </a:lnRef>
-          <a:fillRef idx="1">
-            <a:schemeClr val="lt1"/>
-          </a:fillRef>
-          <a:effectRef idx="0">
-            <a:schemeClr val="accent1"/>
-          </a:effectRef>
-          <a:fontRef idx="minor">
-            <a:schemeClr val="dk1"/>
-          </a:fontRef>
-        </p:style>
-        <p:txBody>
-          <a:bodyPr wrap="none" rtlCol="0">
-            <a:spAutoFit/>
-          </a:bodyPr>
-          <a:lstStyle/>
-          <a:p>
-            <a:r>
-              <a:rPr lang="en-US" dirty="0" err="1"/>
-              <a:t>Deklar</a:t>
-            </a:r>
-            <a:r>
-              <a:rPr lang="sk-SK" dirty="0" err="1"/>
-              <a:t>ácia</a:t>
-            </a:r>
-            <a:r>
-              <a:rPr lang="sk-SK" dirty="0"/>
-              <a:t> premennej – premenná cyklu.</a:t>
-            </a:r>
-          </a:p>
-          <a:p>
-            <a:r>
-              <a:rPr lang="sk-SK" dirty="0"/>
-              <a:t>Inicializácia na počiatočnú hodnotu.</a:t>
-            </a:r>
-          </a:p>
-        </p:txBody>
-      </p:sp>
-      <p:sp>
-        <p:nvSpPr>
-          <p:cNvPr id="5" name="TextBox 4">
-            <a:extLst>
-              <a:ext uri="{FF2B5EF4-FFF2-40B4-BE49-F238E27FC236}">
-                <a16:creationId xmlns:a16="http://schemas.microsoft.com/office/drawing/2014/main" id="{D9422B41-8FE7-F21E-2A7B-669FE3AE177A}"/>
-              </a:ext>
-            </a:extLst>
-          </p:cNvPr>
-          <p:cNvSpPr txBox="1"/>
-          <p:nvPr/>
-        </p:nvSpPr>
-        <p:spPr>
-          <a:xfrm>
-            <a:off x="5262017" y="506627"/>
-            <a:ext cx="2444904" cy="646331"/>
-          </a:xfrm>
-          <a:prstGeom prst="rect">
-            <a:avLst/>
-          </a:prstGeom>
-        </p:spPr>
-        <p:style>
-          <a:lnRef idx="2">
-            <a:schemeClr val="accent1"/>
-          </a:lnRef>
-          <a:fillRef idx="1">
-            <a:schemeClr val="lt1"/>
-          </a:fillRef>
-          <a:effectRef idx="0">
-            <a:schemeClr val="accent1"/>
-          </a:effectRef>
-          <a:fontRef idx="minor">
-            <a:schemeClr val="dk1"/>
-          </a:fontRef>
-        </p:style>
-        <p:txBody>
-          <a:bodyPr wrap="square" rtlCol="0">
-            <a:spAutoFit/>
-          </a:bodyPr>
-          <a:lstStyle/>
-          <a:p>
-            <a:r>
-              <a:rPr lang="sk-SK" dirty="0"/>
-              <a:t>Podmienka, za ktorej sa má cyklus vykonávať</a:t>
-            </a:r>
-          </a:p>
-        </p:txBody>
-      </p:sp>
-      <p:sp>
-        <p:nvSpPr>
-          <p:cNvPr id="6" name="TextBox 5">
-            <a:extLst>
-              <a:ext uri="{FF2B5EF4-FFF2-40B4-BE49-F238E27FC236}">
-                <a16:creationId xmlns:a16="http://schemas.microsoft.com/office/drawing/2014/main" id="{C6C5BD9F-C8D7-E0F3-C421-999D6ACB8697}"/>
-              </a:ext>
-            </a:extLst>
-          </p:cNvPr>
-          <p:cNvSpPr txBox="1"/>
-          <p:nvPr/>
-        </p:nvSpPr>
-        <p:spPr>
-          <a:xfrm>
-            <a:off x="9177375" y="982916"/>
-            <a:ext cx="2829698" cy="646331"/>
-          </a:xfrm>
-          <a:prstGeom prst="rect">
-            <a:avLst/>
-          </a:prstGeom>
-        </p:spPr>
-        <p:style>
-          <a:lnRef idx="2">
-            <a:schemeClr val="accent1"/>
-          </a:lnRef>
-          <a:fillRef idx="1">
-            <a:schemeClr val="lt1"/>
-          </a:fillRef>
-          <a:effectRef idx="0">
-            <a:schemeClr val="accent1"/>
-          </a:effectRef>
-          <a:fontRef idx="minor">
-            <a:schemeClr val="dk1"/>
-          </a:fontRef>
-        </p:style>
-        <p:txBody>
-          <a:bodyPr wrap="square" rtlCol="0">
-            <a:spAutoFit/>
-          </a:bodyPr>
-          <a:lstStyle/>
-          <a:p>
-            <a:r>
-              <a:rPr lang="sk-SK" dirty="0"/>
-              <a:t>Zmena hodnoty premennej, obvykle zvýšenie o 1</a:t>
-            </a:r>
-          </a:p>
-        </p:txBody>
-      </p:sp>
-      <p:sp>
-        <p:nvSpPr>
-          <p:cNvPr id="7" name="TextBox 6">
-            <a:extLst>
-              <a:ext uri="{FF2B5EF4-FFF2-40B4-BE49-F238E27FC236}">
-                <a16:creationId xmlns:a16="http://schemas.microsoft.com/office/drawing/2014/main" id="{79BA57EA-C976-D5DA-5EC3-0E72E86F6241}"/>
-              </a:ext>
-            </a:extLst>
-          </p:cNvPr>
-          <p:cNvSpPr txBox="1"/>
-          <p:nvPr/>
-        </p:nvSpPr>
-        <p:spPr>
-          <a:xfrm>
-            <a:off x="6484469" y="4033620"/>
-            <a:ext cx="5005216" cy="369332"/>
-          </a:xfrm>
-          <a:prstGeom prst="rect">
-            <a:avLst/>
-          </a:prstGeom>
-        </p:spPr>
-        <p:style>
-          <a:lnRef idx="2">
-            <a:schemeClr val="accent1"/>
-          </a:lnRef>
-          <a:fillRef idx="1">
-            <a:schemeClr val="lt1"/>
-          </a:fillRef>
-          <a:effectRef idx="0">
-            <a:schemeClr val="accent1"/>
-          </a:effectRef>
-          <a:fontRef idx="minor">
-            <a:schemeClr val="dk1"/>
-          </a:fontRef>
-        </p:style>
-        <p:txBody>
-          <a:bodyPr wrap="none" rtlCol="0">
-            <a:spAutoFit/>
-          </a:bodyPr>
-          <a:lstStyle/>
-          <a:p>
-            <a:r>
-              <a:rPr lang="sk-SK" dirty="0"/>
-              <a:t>Príkazy uzavreté v zátvorkách sa vykonávajú v cykle.</a:t>
-            </a:r>
-          </a:p>
-        </p:txBody>
-      </p:sp>
-      <p:cxnSp>
-        <p:nvCxnSpPr>
-          <p:cNvPr id="9" name="Straight Arrow Connector 8">
-            <a:extLst>
-              <a:ext uri="{FF2B5EF4-FFF2-40B4-BE49-F238E27FC236}">
-                <a16:creationId xmlns:a16="http://schemas.microsoft.com/office/drawing/2014/main" id="{95844336-1C42-0C04-4C63-D32DA9E2F66B}"/>
-              </a:ext>
-            </a:extLst>
-          </p:cNvPr>
-          <p:cNvCxnSpPr>
-            <a:stCxn id="4" idx="2"/>
-          </p:cNvCxnSpPr>
-          <p:nvPr/>
-        </p:nvCxnSpPr>
-        <p:spPr>
-          <a:xfrm>
-            <a:off x="2683655" y="1227099"/>
-            <a:ext cx="813307" cy="656249"/>
-          </a:xfrm>
-          <a:prstGeom prst="straightConnector1">
-            <a:avLst/>
-          </a:prstGeom>
-          <a:ln>
-            <a:tailEnd type="triangle"/>
-          </a:ln>
-        </p:spPr>
-        <p:style>
-          <a:lnRef idx="1">
-            <a:schemeClr val="accent1"/>
-          </a:lnRef>
-          <a:fillRef idx="0">
-            <a:schemeClr val="accent1"/>
-          </a:fillRef>
-          <a:effectRef idx="0">
-            <a:schemeClr val="accent1"/>
-          </a:effectRef>
-          <a:fontRef idx="minor">
-            <a:schemeClr val="tx1"/>
-          </a:fontRef>
-        </p:style>
-      </p:cxnSp>
-      <p:cxnSp>
-        <p:nvCxnSpPr>
-          <p:cNvPr id="11" name="Straight Arrow Connector 10">
-            <a:extLst>
-              <a:ext uri="{FF2B5EF4-FFF2-40B4-BE49-F238E27FC236}">
-                <a16:creationId xmlns:a16="http://schemas.microsoft.com/office/drawing/2014/main" id="{0C89FA43-5EE6-81A6-84C8-7C0903A37846}"/>
-              </a:ext>
-            </a:extLst>
-          </p:cNvPr>
-          <p:cNvCxnSpPr>
-            <a:stCxn id="5" idx="2"/>
-          </p:cNvCxnSpPr>
-          <p:nvPr/>
-        </p:nvCxnSpPr>
-        <p:spPr>
-          <a:xfrm>
-            <a:off x="6484469" y="1152958"/>
-            <a:ext cx="0" cy="730390"/>
-          </a:xfrm>
-          <a:prstGeom prst="straightConnector1">
-            <a:avLst/>
-          </a:prstGeom>
-          <a:ln>
-            <a:tailEnd type="triangle"/>
-          </a:ln>
-        </p:spPr>
-        <p:style>
-          <a:lnRef idx="1">
-            <a:schemeClr val="accent1"/>
-          </a:lnRef>
-          <a:fillRef idx="0">
-            <a:schemeClr val="accent1"/>
-          </a:fillRef>
-          <a:effectRef idx="0">
-            <a:schemeClr val="accent1"/>
-          </a:effectRef>
-          <a:fontRef idx="minor">
-            <a:schemeClr val="tx1"/>
-          </a:fontRef>
-        </p:style>
-      </p:cxnSp>
-      <p:cxnSp>
-        <p:nvCxnSpPr>
-          <p:cNvPr id="13" name="Straight Arrow Connector 12">
-            <a:extLst>
-              <a:ext uri="{FF2B5EF4-FFF2-40B4-BE49-F238E27FC236}">
-                <a16:creationId xmlns:a16="http://schemas.microsoft.com/office/drawing/2014/main" id="{EE06C3E9-6B25-AA48-4DD8-92A7BA01D017}"/>
-              </a:ext>
-            </a:extLst>
-          </p:cNvPr>
-          <p:cNvCxnSpPr>
-            <a:stCxn id="6" idx="1"/>
-          </p:cNvCxnSpPr>
-          <p:nvPr/>
-        </p:nvCxnSpPr>
-        <p:spPr>
-          <a:xfrm flipH="1">
-            <a:off x="8662086" y="1306082"/>
-            <a:ext cx="515289" cy="577266"/>
-          </a:xfrm>
-          <a:prstGeom prst="straightConnector1">
-            <a:avLst/>
-          </a:prstGeom>
-          <a:ln>
-            <a:tailEnd type="triangle"/>
-          </a:ln>
-        </p:spPr>
-        <p:style>
-          <a:lnRef idx="1">
-            <a:schemeClr val="accent1"/>
-          </a:lnRef>
-          <a:fillRef idx="0">
-            <a:schemeClr val="accent1"/>
-          </a:fillRef>
-          <a:effectRef idx="0">
-            <a:schemeClr val="accent1"/>
-          </a:effectRef>
-          <a:fontRef idx="minor">
-            <a:schemeClr val="tx1"/>
-          </a:fontRef>
-        </p:style>
-      </p:cxnSp>
-      <p:cxnSp>
-        <p:nvCxnSpPr>
-          <p:cNvPr id="15" name="Straight Arrow Connector 14">
-            <a:extLst>
-              <a:ext uri="{FF2B5EF4-FFF2-40B4-BE49-F238E27FC236}">
-                <a16:creationId xmlns:a16="http://schemas.microsoft.com/office/drawing/2014/main" id="{F9854EC1-282F-054C-C9D0-7502FC73B743}"/>
-              </a:ext>
-            </a:extLst>
-          </p:cNvPr>
-          <p:cNvCxnSpPr>
-            <a:stCxn id="7" idx="0"/>
-          </p:cNvCxnSpPr>
-          <p:nvPr/>
-        </p:nvCxnSpPr>
-        <p:spPr>
-          <a:xfrm flipV="1">
-            <a:off x="8987077" y="2542800"/>
-            <a:ext cx="799474" cy="1490820"/>
-          </a:xfrm>
-          <a:prstGeom prst="straightConnector1">
-            <a:avLst/>
-          </a:prstGeom>
-          <a:ln>
-            <a:tailEnd type="triangle"/>
-          </a:ln>
-        </p:spPr>
-        <p:style>
-          <a:lnRef idx="1">
-            <a:schemeClr val="accent1"/>
-          </a:lnRef>
-          <a:fillRef idx="0">
-            <a:schemeClr val="accent1"/>
-          </a:fillRef>
-          <a:effectRef idx="0">
-            <a:schemeClr val="accent1"/>
-          </a:effectRef>
-          <a:fontRef idx="minor">
-            <a:schemeClr val="tx1"/>
-          </a:fontRef>
-        </p:style>
-      </p:cxnSp>
-      <p:cxnSp>
-        <p:nvCxnSpPr>
-          <p:cNvPr id="17" name="Straight Arrow Connector 16">
-            <a:extLst>
-              <a:ext uri="{FF2B5EF4-FFF2-40B4-BE49-F238E27FC236}">
-                <a16:creationId xmlns:a16="http://schemas.microsoft.com/office/drawing/2014/main" id="{634CADAA-1DBF-8EFC-6352-9017174EA89F}"/>
-              </a:ext>
-            </a:extLst>
-          </p:cNvPr>
-          <p:cNvCxnSpPr>
-            <a:stCxn id="7" idx="1"/>
-          </p:cNvCxnSpPr>
-          <p:nvPr/>
-        </p:nvCxnSpPr>
-        <p:spPr>
-          <a:xfrm flipH="1" flipV="1">
-            <a:off x="1161535" y="3429000"/>
-            <a:ext cx="5322934" cy="789286"/>
-          </a:xfrm>
-          <a:prstGeom prst="straightConnector1">
-            <a:avLst/>
-          </a:prstGeom>
-          <a:ln>
-            <a:tailEnd type="triangle"/>
-          </a:ln>
-        </p:spPr>
-        <p:style>
-          <a:lnRef idx="1">
-            <a:schemeClr val="accent1"/>
-          </a:lnRef>
-          <a:fillRef idx="0">
-            <a:schemeClr val="accent1"/>
-          </a:fillRef>
-          <a:effectRef idx="0">
-            <a:schemeClr val="accent1"/>
-          </a:effectRef>
-          <a:fontRef idx="minor">
-            <a:schemeClr val="tx1"/>
-          </a:fontRef>
-        </p:style>
-      </p:cxnSp>
-    </p:spTree>
-    <p:extLst>
-      <p:ext uri="{BB962C8B-B14F-4D97-AF65-F5344CB8AC3E}">
-        <p14:creationId xmlns:p14="http://schemas.microsoft.com/office/powerpoint/2010/main" val="2539751219"/>
-      </p:ext>
-    </p:extLst>
-  </p:cSld>
-  <p:clrMapOvr>
-    <a:masterClrMapping/>
-  </p:clrMapOvr>
-</p:sld>
-</file>
-
-<file path=ppt/slides/slide29.xml><?xml version="1.0" encoding="utf-8"?>
-<p:sld xmlns:a="http://schemas.openxmlformats.org/drawingml/2006/main" xmlns:r="http://schemas.openxmlformats.org/officeDocument/2006/relationships" xmlns:p="http://schemas.openxmlformats.org/presentationml/2006/main">
-  <p:cSld>
-    <p:spTree>
-      <p:nvGrpSpPr>
-        <p:cNvPr id="1" name=""/>
-        <p:cNvGrpSpPr/>
-        <p:nvPr/>
-      </p:nvGrpSpPr>
-      <p:grpSpPr>
-        <a:xfrm>
-          <a:off x="0" y="0"/>
-          <a:ext cx="0" cy="0"/>
-          <a:chOff x="0" y="0"/>
-          <a:chExt cx="0" cy="0"/>
-        </a:xfrm>
-      </p:grpSpPr>
-      <p:pic>
-        <p:nvPicPr>
-          <p:cNvPr id="3074" name="Picture 2">
-            <a:extLst>
-              <a:ext uri="{FF2B5EF4-FFF2-40B4-BE49-F238E27FC236}">
-                <a16:creationId xmlns:a16="http://schemas.microsoft.com/office/drawing/2014/main" id="{29AC96CE-2379-5278-794B-C613D717CDE8}"/>
-              </a:ext>
-            </a:extLst>
-          </p:cNvPr>
-          <p:cNvPicPr>
-            <a:picLocks noChangeAspect="1" noChangeArrowheads="1"/>
-          </p:cNvPicPr>
-          <p:nvPr/>
-        </p:nvPicPr>
-        <p:blipFill>
-          <a:blip r:embed="rId3">
-            <a:extLst>
-              <a:ext uri="{28A0092B-C50C-407E-A947-70E740481C1C}">
-                <a14:useLocalDpi xmlns:a14="http://schemas.microsoft.com/office/drawing/2010/main" val="0"/>
-              </a:ext>
-            </a:extLst>
-          </a:blip>
-          <a:srcRect/>
-          <a:stretch>
-            <a:fillRect/>
-          </a:stretch>
-        </p:blipFill>
-        <p:spPr bwMode="auto">
-          <a:xfrm>
-            <a:off x="1471172" y="0"/>
-            <a:ext cx="9249656" cy="6858000"/>
-          </a:xfrm>
-          <a:prstGeom prst="rect">
-            <a:avLst/>
-          </a:prstGeom>
-          <a:noFill/>
-          <a:extLst>
-            <a:ext uri="{909E8E84-426E-40DD-AFC4-6F175D3DCCD1}">
-              <a14:hiddenFill xmlns:a14="http://schemas.microsoft.com/office/drawing/2010/main">
-                <a:solidFill>
-                  <a:srgbClr val="FFFFFF"/>
-                </a:solidFill>
-              </a14:hiddenFill>
-            </a:ext>
-          </a:extLst>
-        </p:spPr>
-      </p:pic>
-    </p:spTree>
-    <p:extLst>
-      <p:ext uri="{BB962C8B-B14F-4D97-AF65-F5344CB8AC3E}">
-        <p14:creationId xmlns:p14="http://schemas.microsoft.com/office/powerpoint/2010/main" val="231345322"/>
       </p:ext>
     </p:extLst>
   </p:cSld>
@@ -13042,6 +12898,554 @@
       </p:grpSpPr>
       <p:pic>
         <p:nvPicPr>
+          <p:cNvPr id="3" name="Picture 2">
+            <a:extLst>
+              <a:ext uri="{FF2B5EF4-FFF2-40B4-BE49-F238E27FC236}">
+                <a16:creationId xmlns:a16="http://schemas.microsoft.com/office/drawing/2014/main" id="{809FC2CE-C595-19A2-B62A-D4742D5B326D}"/>
+              </a:ext>
+            </a:extLst>
+          </p:cNvPr>
+          <p:cNvPicPr>
+            <a:picLocks noChangeAspect="1"/>
+          </p:cNvPicPr>
+          <p:nvPr/>
+        </p:nvPicPr>
+        <p:blipFill>
+          <a:blip r:embed="rId2"/>
+          <a:stretch>
+            <a:fillRect/>
+          </a:stretch>
+        </p:blipFill>
+        <p:spPr>
+          <a:xfrm>
+            <a:off x="702315" y="1883348"/>
+            <a:ext cx="9666354" cy="1896171"/>
+          </a:xfrm>
+          <a:prstGeom prst="rect">
+            <a:avLst/>
+          </a:prstGeom>
+        </p:spPr>
+      </p:pic>
+      <p:sp>
+        <p:nvSpPr>
+          <p:cNvPr id="4" name="TextBox 3">
+            <a:extLst>
+              <a:ext uri="{FF2B5EF4-FFF2-40B4-BE49-F238E27FC236}">
+                <a16:creationId xmlns:a16="http://schemas.microsoft.com/office/drawing/2014/main" id="{B9EE8400-BA3C-0547-4B90-26B237EAAC2A}"/>
+              </a:ext>
+            </a:extLst>
+          </p:cNvPr>
+          <p:cNvSpPr txBox="1"/>
+          <p:nvPr/>
+        </p:nvSpPr>
+        <p:spPr>
+          <a:xfrm>
+            <a:off x="673906" y="580768"/>
+            <a:ext cx="4019498" cy="646331"/>
+          </a:xfrm>
+          <a:prstGeom prst="rect">
+            <a:avLst/>
+          </a:prstGeom>
+        </p:spPr>
+        <p:style>
+          <a:lnRef idx="2">
+            <a:schemeClr val="accent1"/>
+          </a:lnRef>
+          <a:fillRef idx="1">
+            <a:schemeClr val="lt1"/>
+          </a:fillRef>
+          <a:effectRef idx="0">
+            <a:schemeClr val="accent1"/>
+          </a:effectRef>
+          <a:fontRef idx="minor">
+            <a:schemeClr val="dk1"/>
+          </a:fontRef>
+        </p:style>
+        <p:txBody>
+          <a:bodyPr wrap="none" rtlCol="0">
+            <a:spAutoFit/>
+          </a:bodyPr>
+          <a:lstStyle/>
+          <a:p>
+            <a:r>
+              <a:rPr lang="en-US" dirty="0" err="1"/>
+              <a:t>Deklar</a:t>
+            </a:r>
+            <a:r>
+              <a:rPr lang="sk-SK" dirty="0" err="1"/>
+              <a:t>ácia</a:t>
+            </a:r>
+            <a:r>
+              <a:rPr lang="sk-SK" dirty="0"/>
+              <a:t> premennej – premenná cyklu.</a:t>
+            </a:r>
+          </a:p>
+          <a:p>
+            <a:r>
+              <a:rPr lang="sk-SK" dirty="0"/>
+              <a:t>Inicializácia na počiatočnú hodnotu.</a:t>
+            </a:r>
+          </a:p>
+        </p:txBody>
+      </p:sp>
+      <p:sp>
+        <p:nvSpPr>
+          <p:cNvPr id="5" name="TextBox 4">
+            <a:extLst>
+              <a:ext uri="{FF2B5EF4-FFF2-40B4-BE49-F238E27FC236}">
+                <a16:creationId xmlns:a16="http://schemas.microsoft.com/office/drawing/2014/main" id="{D9422B41-8FE7-F21E-2A7B-669FE3AE177A}"/>
+              </a:ext>
+            </a:extLst>
+          </p:cNvPr>
+          <p:cNvSpPr txBox="1"/>
+          <p:nvPr/>
+        </p:nvSpPr>
+        <p:spPr>
+          <a:xfrm>
+            <a:off x="5262017" y="506627"/>
+            <a:ext cx="2444904" cy="646331"/>
+          </a:xfrm>
+          <a:prstGeom prst="rect">
+            <a:avLst/>
+          </a:prstGeom>
+        </p:spPr>
+        <p:style>
+          <a:lnRef idx="2">
+            <a:schemeClr val="accent1"/>
+          </a:lnRef>
+          <a:fillRef idx="1">
+            <a:schemeClr val="lt1"/>
+          </a:fillRef>
+          <a:effectRef idx="0">
+            <a:schemeClr val="accent1"/>
+          </a:effectRef>
+          <a:fontRef idx="minor">
+            <a:schemeClr val="dk1"/>
+          </a:fontRef>
+        </p:style>
+        <p:txBody>
+          <a:bodyPr wrap="square" rtlCol="0">
+            <a:spAutoFit/>
+          </a:bodyPr>
+          <a:lstStyle/>
+          <a:p>
+            <a:r>
+              <a:rPr lang="sk-SK" dirty="0"/>
+              <a:t>Podmienka, za ktorej sa má cyklus vykonávať</a:t>
+            </a:r>
+          </a:p>
+        </p:txBody>
+      </p:sp>
+      <p:sp>
+        <p:nvSpPr>
+          <p:cNvPr id="6" name="TextBox 5">
+            <a:extLst>
+              <a:ext uri="{FF2B5EF4-FFF2-40B4-BE49-F238E27FC236}">
+                <a16:creationId xmlns:a16="http://schemas.microsoft.com/office/drawing/2014/main" id="{C6C5BD9F-C8D7-E0F3-C421-999D6ACB8697}"/>
+              </a:ext>
+            </a:extLst>
+          </p:cNvPr>
+          <p:cNvSpPr txBox="1"/>
+          <p:nvPr/>
+        </p:nvSpPr>
+        <p:spPr>
+          <a:xfrm>
+            <a:off x="9177375" y="982916"/>
+            <a:ext cx="2829698" cy="646331"/>
+          </a:xfrm>
+          <a:prstGeom prst="rect">
+            <a:avLst/>
+          </a:prstGeom>
+        </p:spPr>
+        <p:style>
+          <a:lnRef idx="2">
+            <a:schemeClr val="accent1"/>
+          </a:lnRef>
+          <a:fillRef idx="1">
+            <a:schemeClr val="lt1"/>
+          </a:fillRef>
+          <a:effectRef idx="0">
+            <a:schemeClr val="accent1"/>
+          </a:effectRef>
+          <a:fontRef idx="minor">
+            <a:schemeClr val="dk1"/>
+          </a:fontRef>
+        </p:style>
+        <p:txBody>
+          <a:bodyPr wrap="square" rtlCol="0">
+            <a:spAutoFit/>
+          </a:bodyPr>
+          <a:lstStyle/>
+          <a:p>
+            <a:r>
+              <a:rPr lang="sk-SK" dirty="0"/>
+              <a:t>Zmena hodnoty premennej, obvykle zvýšenie o 1</a:t>
+            </a:r>
+          </a:p>
+        </p:txBody>
+      </p:sp>
+      <p:sp>
+        <p:nvSpPr>
+          <p:cNvPr id="7" name="TextBox 6">
+            <a:extLst>
+              <a:ext uri="{FF2B5EF4-FFF2-40B4-BE49-F238E27FC236}">
+                <a16:creationId xmlns:a16="http://schemas.microsoft.com/office/drawing/2014/main" id="{79BA57EA-C976-D5DA-5EC3-0E72E86F6241}"/>
+              </a:ext>
+            </a:extLst>
+          </p:cNvPr>
+          <p:cNvSpPr txBox="1"/>
+          <p:nvPr/>
+        </p:nvSpPr>
+        <p:spPr>
+          <a:xfrm>
+            <a:off x="6484469" y="4033620"/>
+            <a:ext cx="5005216" cy="369332"/>
+          </a:xfrm>
+          <a:prstGeom prst="rect">
+            <a:avLst/>
+          </a:prstGeom>
+        </p:spPr>
+        <p:style>
+          <a:lnRef idx="2">
+            <a:schemeClr val="accent1"/>
+          </a:lnRef>
+          <a:fillRef idx="1">
+            <a:schemeClr val="lt1"/>
+          </a:fillRef>
+          <a:effectRef idx="0">
+            <a:schemeClr val="accent1"/>
+          </a:effectRef>
+          <a:fontRef idx="minor">
+            <a:schemeClr val="dk1"/>
+          </a:fontRef>
+        </p:style>
+        <p:txBody>
+          <a:bodyPr wrap="none" rtlCol="0">
+            <a:spAutoFit/>
+          </a:bodyPr>
+          <a:lstStyle/>
+          <a:p>
+            <a:r>
+              <a:rPr lang="sk-SK" dirty="0"/>
+              <a:t>Príkazy uzavreté v zátvorkách sa vykonávajú v cykle.</a:t>
+            </a:r>
+          </a:p>
+        </p:txBody>
+      </p:sp>
+      <p:cxnSp>
+        <p:nvCxnSpPr>
+          <p:cNvPr id="9" name="Straight Arrow Connector 8">
+            <a:extLst>
+              <a:ext uri="{FF2B5EF4-FFF2-40B4-BE49-F238E27FC236}">
+                <a16:creationId xmlns:a16="http://schemas.microsoft.com/office/drawing/2014/main" id="{95844336-1C42-0C04-4C63-D32DA9E2F66B}"/>
+              </a:ext>
+            </a:extLst>
+          </p:cNvPr>
+          <p:cNvCxnSpPr>
+            <a:stCxn id="4" idx="2"/>
+          </p:cNvCxnSpPr>
+          <p:nvPr/>
+        </p:nvCxnSpPr>
+        <p:spPr>
+          <a:xfrm>
+            <a:off x="2683655" y="1227099"/>
+            <a:ext cx="813307" cy="656249"/>
+          </a:xfrm>
+          <a:prstGeom prst="straightConnector1">
+            <a:avLst/>
+          </a:prstGeom>
+          <a:ln>
+            <a:tailEnd type="triangle"/>
+          </a:ln>
+        </p:spPr>
+        <p:style>
+          <a:lnRef idx="1">
+            <a:schemeClr val="accent1"/>
+          </a:lnRef>
+          <a:fillRef idx="0">
+            <a:schemeClr val="accent1"/>
+          </a:fillRef>
+          <a:effectRef idx="0">
+            <a:schemeClr val="accent1"/>
+          </a:effectRef>
+          <a:fontRef idx="minor">
+            <a:schemeClr val="tx1"/>
+          </a:fontRef>
+        </p:style>
+      </p:cxnSp>
+      <p:cxnSp>
+        <p:nvCxnSpPr>
+          <p:cNvPr id="11" name="Straight Arrow Connector 10">
+            <a:extLst>
+              <a:ext uri="{FF2B5EF4-FFF2-40B4-BE49-F238E27FC236}">
+                <a16:creationId xmlns:a16="http://schemas.microsoft.com/office/drawing/2014/main" id="{0C89FA43-5EE6-81A6-84C8-7C0903A37846}"/>
+              </a:ext>
+            </a:extLst>
+          </p:cNvPr>
+          <p:cNvCxnSpPr>
+            <a:stCxn id="5" idx="2"/>
+          </p:cNvCxnSpPr>
+          <p:nvPr/>
+        </p:nvCxnSpPr>
+        <p:spPr>
+          <a:xfrm>
+            <a:off x="6484469" y="1152958"/>
+            <a:ext cx="0" cy="730390"/>
+          </a:xfrm>
+          <a:prstGeom prst="straightConnector1">
+            <a:avLst/>
+          </a:prstGeom>
+          <a:ln>
+            <a:tailEnd type="triangle"/>
+          </a:ln>
+        </p:spPr>
+        <p:style>
+          <a:lnRef idx="1">
+            <a:schemeClr val="accent1"/>
+          </a:lnRef>
+          <a:fillRef idx="0">
+            <a:schemeClr val="accent1"/>
+          </a:fillRef>
+          <a:effectRef idx="0">
+            <a:schemeClr val="accent1"/>
+          </a:effectRef>
+          <a:fontRef idx="minor">
+            <a:schemeClr val="tx1"/>
+          </a:fontRef>
+        </p:style>
+      </p:cxnSp>
+      <p:cxnSp>
+        <p:nvCxnSpPr>
+          <p:cNvPr id="13" name="Straight Arrow Connector 12">
+            <a:extLst>
+              <a:ext uri="{FF2B5EF4-FFF2-40B4-BE49-F238E27FC236}">
+                <a16:creationId xmlns:a16="http://schemas.microsoft.com/office/drawing/2014/main" id="{EE06C3E9-6B25-AA48-4DD8-92A7BA01D017}"/>
+              </a:ext>
+            </a:extLst>
+          </p:cNvPr>
+          <p:cNvCxnSpPr>
+            <a:stCxn id="6" idx="1"/>
+          </p:cNvCxnSpPr>
+          <p:nvPr/>
+        </p:nvCxnSpPr>
+        <p:spPr>
+          <a:xfrm flipH="1">
+            <a:off x="8662086" y="1306082"/>
+            <a:ext cx="515289" cy="577266"/>
+          </a:xfrm>
+          <a:prstGeom prst="straightConnector1">
+            <a:avLst/>
+          </a:prstGeom>
+          <a:ln>
+            <a:tailEnd type="triangle"/>
+          </a:ln>
+        </p:spPr>
+        <p:style>
+          <a:lnRef idx="1">
+            <a:schemeClr val="accent1"/>
+          </a:lnRef>
+          <a:fillRef idx="0">
+            <a:schemeClr val="accent1"/>
+          </a:fillRef>
+          <a:effectRef idx="0">
+            <a:schemeClr val="accent1"/>
+          </a:effectRef>
+          <a:fontRef idx="minor">
+            <a:schemeClr val="tx1"/>
+          </a:fontRef>
+        </p:style>
+      </p:cxnSp>
+      <p:cxnSp>
+        <p:nvCxnSpPr>
+          <p:cNvPr id="15" name="Straight Arrow Connector 14">
+            <a:extLst>
+              <a:ext uri="{FF2B5EF4-FFF2-40B4-BE49-F238E27FC236}">
+                <a16:creationId xmlns:a16="http://schemas.microsoft.com/office/drawing/2014/main" id="{F9854EC1-282F-054C-C9D0-7502FC73B743}"/>
+              </a:ext>
+            </a:extLst>
+          </p:cNvPr>
+          <p:cNvCxnSpPr>
+            <a:stCxn id="7" idx="0"/>
+          </p:cNvCxnSpPr>
+          <p:nvPr/>
+        </p:nvCxnSpPr>
+        <p:spPr>
+          <a:xfrm flipV="1">
+            <a:off x="8987077" y="2542800"/>
+            <a:ext cx="799474" cy="1490820"/>
+          </a:xfrm>
+          <a:prstGeom prst="straightConnector1">
+            <a:avLst/>
+          </a:prstGeom>
+          <a:ln>
+            <a:tailEnd type="triangle"/>
+          </a:ln>
+        </p:spPr>
+        <p:style>
+          <a:lnRef idx="1">
+            <a:schemeClr val="accent1"/>
+          </a:lnRef>
+          <a:fillRef idx="0">
+            <a:schemeClr val="accent1"/>
+          </a:fillRef>
+          <a:effectRef idx="0">
+            <a:schemeClr val="accent1"/>
+          </a:effectRef>
+          <a:fontRef idx="minor">
+            <a:schemeClr val="tx1"/>
+          </a:fontRef>
+        </p:style>
+      </p:cxnSp>
+      <p:cxnSp>
+        <p:nvCxnSpPr>
+          <p:cNvPr id="17" name="Straight Arrow Connector 16">
+            <a:extLst>
+              <a:ext uri="{FF2B5EF4-FFF2-40B4-BE49-F238E27FC236}">
+                <a16:creationId xmlns:a16="http://schemas.microsoft.com/office/drawing/2014/main" id="{634CADAA-1DBF-8EFC-6352-9017174EA89F}"/>
+              </a:ext>
+            </a:extLst>
+          </p:cNvPr>
+          <p:cNvCxnSpPr>
+            <a:stCxn id="7" idx="1"/>
+          </p:cNvCxnSpPr>
+          <p:nvPr/>
+        </p:nvCxnSpPr>
+        <p:spPr>
+          <a:xfrm flipH="1" flipV="1">
+            <a:off x="1161535" y="3429000"/>
+            <a:ext cx="5322934" cy="789286"/>
+          </a:xfrm>
+          <a:prstGeom prst="straightConnector1">
+            <a:avLst/>
+          </a:prstGeom>
+          <a:ln>
+            <a:tailEnd type="triangle"/>
+          </a:ln>
+        </p:spPr>
+        <p:style>
+          <a:lnRef idx="1">
+            <a:schemeClr val="accent1"/>
+          </a:lnRef>
+          <a:fillRef idx="0">
+            <a:schemeClr val="accent1"/>
+          </a:fillRef>
+          <a:effectRef idx="0">
+            <a:schemeClr val="accent1"/>
+          </a:effectRef>
+          <a:fontRef idx="minor">
+            <a:schemeClr val="tx1"/>
+          </a:fontRef>
+        </p:style>
+      </p:cxnSp>
+    </p:spTree>
+    <p:extLst>
+      <p:ext uri="{BB962C8B-B14F-4D97-AF65-F5344CB8AC3E}">
+        <p14:creationId xmlns:p14="http://schemas.microsoft.com/office/powerpoint/2010/main" val="2539751219"/>
+      </p:ext>
+    </p:extLst>
+  </p:cSld>
+  <p:clrMapOvr>
+    <a:masterClrMapping/>
+  </p:clrMapOvr>
+</p:sld>
+</file>
+
+<file path=ppt/slides/slide31.xml><?xml version="1.0" encoding="utf-8"?>
+<p:sld xmlns:a="http://schemas.openxmlformats.org/drawingml/2006/main" xmlns:r="http://schemas.openxmlformats.org/officeDocument/2006/relationships" xmlns:p="http://schemas.openxmlformats.org/presentationml/2006/main">
+  <p:cSld>
+    <p:spTree>
+      <p:nvGrpSpPr>
+        <p:cNvPr id="1" name=""/>
+        <p:cNvGrpSpPr/>
+        <p:nvPr/>
+      </p:nvGrpSpPr>
+      <p:grpSpPr>
+        <a:xfrm>
+          <a:off x="0" y="0"/>
+          <a:ext cx="0" cy="0"/>
+          <a:chOff x="0" y="0"/>
+          <a:chExt cx="0" cy="0"/>
+        </a:xfrm>
+      </p:grpSpPr>
+      <p:pic>
+        <p:nvPicPr>
+          <p:cNvPr id="3074" name="Picture 2">
+            <a:extLst>
+              <a:ext uri="{FF2B5EF4-FFF2-40B4-BE49-F238E27FC236}">
+                <a16:creationId xmlns:a16="http://schemas.microsoft.com/office/drawing/2014/main" id="{29AC96CE-2379-5278-794B-C613D717CDE8}"/>
+              </a:ext>
+            </a:extLst>
+          </p:cNvPr>
+          <p:cNvPicPr>
+            <a:picLocks noChangeAspect="1" noChangeArrowheads="1"/>
+          </p:cNvPicPr>
+          <p:nvPr/>
+        </p:nvPicPr>
+        <p:blipFill>
+          <a:blip r:embed="rId3">
+            <a:extLst>
+              <a:ext uri="{28A0092B-C50C-407E-A947-70E740481C1C}">
+                <a14:useLocalDpi xmlns:a14="http://schemas.microsoft.com/office/drawing/2010/main" val="0"/>
+              </a:ext>
+            </a:extLst>
+          </a:blip>
+          <a:srcRect/>
+          <a:stretch>
+            <a:fillRect/>
+          </a:stretch>
+        </p:blipFill>
+        <p:spPr bwMode="auto">
+          <a:xfrm>
+            <a:off x="1471172" y="0"/>
+            <a:ext cx="9249656" cy="6858000"/>
+          </a:xfrm>
+          <a:prstGeom prst="rect">
+            <a:avLst/>
+          </a:prstGeom>
+          <a:noFill/>
+          <a:extLst>
+            <a:ext uri="{909E8E84-426E-40DD-AFC4-6F175D3DCCD1}">
+              <a14:hiddenFill xmlns:a14="http://schemas.microsoft.com/office/drawing/2010/main">
+                <a:solidFill>
+                  <a:srgbClr val="FFFFFF"/>
+                </a:solidFill>
+              </a14:hiddenFill>
+            </a:ext>
+          </a:extLst>
+        </p:spPr>
+      </p:pic>
+    </p:spTree>
+    <p:extLst>
+      <p:ext uri="{BB962C8B-B14F-4D97-AF65-F5344CB8AC3E}">
+        <p14:creationId xmlns:p14="http://schemas.microsoft.com/office/powerpoint/2010/main" val="231345322"/>
+      </p:ext>
+    </p:extLst>
+  </p:cSld>
+  <p:clrMapOvr>
+    <a:masterClrMapping/>
+  </p:clrMapOvr>
+</p:sld>
+</file>
+
+<file path=ppt/slides/slide32.xml><?xml version="1.0" encoding="utf-8"?>
+<p:sld xmlns:a="http://schemas.openxmlformats.org/drawingml/2006/main" xmlns:r="http://schemas.openxmlformats.org/officeDocument/2006/relationships" xmlns:p="http://schemas.openxmlformats.org/presentationml/2006/main">
+  <p:cSld>
+    <p:spTree>
+      <p:nvGrpSpPr>
+        <p:cNvPr id="1" name=""/>
+        <p:cNvGrpSpPr/>
+        <p:nvPr/>
+      </p:nvGrpSpPr>
+      <p:grpSpPr>
+        <a:xfrm>
+          <a:off x="0" y="0"/>
+          <a:ext cx="0" cy="0"/>
+          <a:chOff x="0" y="0"/>
+          <a:chExt cx="0" cy="0"/>
+        </a:xfrm>
+      </p:grpSpPr>
+      <p:pic>
+        <p:nvPicPr>
           <p:cNvPr id="4098" name="Picture 2">
             <a:extLst>
               <a:ext uri="{FF2B5EF4-FFF2-40B4-BE49-F238E27FC236}">
@@ -13100,7 +13504,7 @@
 </p:sld>
 </file>
 
-<file path=ppt/slides/slide31.xml><?xml version="1.0" encoding="utf-8"?>
+<file path=ppt/slides/slide33.xml><?xml version="1.0" encoding="utf-8"?>
 <p:sld xmlns:a="http://schemas.openxmlformats.org/drawingml/2006/main" xmlns:r="http://schemas.openxmlformats.org/officeDocument/2006/relationships" xmlns:p="http://schemas.openxmlformats.org/presentationml/2006/main">
   <p:cSld>
     <p:bg>
@@ -13531,7 +13935,7 @@
 </p:sld>
 </file>
 
-<file path=ppt/slides/slide32.xml><?xml version="1.0" encoding="utf-8"?>
+<file path=ppt/slides/slide34.xml><?xml version="1.0" encoding="utf-8"?>
 <p:sld xmlns:a="http://schemas.openxmlformats.org/drawingml/2006/main" xmlns:r="http://schemas.openxmlformats.org/officeDocument/2006/relationships" xmlns:p="http://schemas.openxmlformats.org/presentationml/2006/main">
   <p:cSld>
     <p:spTree>
@@ -13608,7 +14012,7 @@
 </p:sld>
 </file>
 
-<file path=ppt/slides/slide33.xml><?xml version="1.0" encoding="utf-8"?>
+<file path=ppt/slides/slide35.xml><?xml version="1.0" encoding="utf-8"?>
 <p:sld xmlns:a="http://schemas.openxmlformats.org/drawingml/2006/main" xmlns:r="http://schemas.openxmlformats.org/officeDocument/2006/relationships" xmlns:p="http://schemas.openxmlformats.org/presentationml/2006/main">
   <p:cSld>
     <p:spTree>
@@ -13685,7 +14089,7 @@
 </p:sld>
 </file>
 
-<file path=ppt/slides/slide34.xml><?xml version="1.0" encoding="utf-8"?>
+<file path=ppt/slides/slide36.xml><?xml version="1.0" encoding="utf-8"?>
 <p:sld xmlns:a="http://schemas.openxmlformats.org/drawingml/2006/main" xmlns:r="http://schemas.openxmlformats.org/officeDocument/2006/relationships" xmlns:p="http://schemas.openxmlformats.org/presentationml/2006/main">
   <p:cSld>
     <p:spTree>
@@ -13762,7 +14166,7 @@
 </p:sld>
 </file>
 
-<file path=ppt/slides/slide35.xml><?xml version="1.0" encoding="utf-8"?>
+<file path=ppt/slides/slide37.xml><?xml version="1.0" encoding="utf-8"?>
 <p:sld xmlns:a="http://schemas.openxmlformats.org/drawingml/2006/main" xmlns:r="http://schemas.openxmlformats.org/officeDocument/2006/relationships" xmlns:p="http://schemas.openxmlformats.org/presentationml/2006/main">
   <p:cSld>
     <p:spTree>
